--- a/TimeSeries/TimeSeries.pptx
+++ b/TimeSeries/TimeSeries.pptx
@@ -11,6 +11,7 @@
     <p:sldId id="272" r:id="rId5"/>
     <p:sldId id="273" r:id="rId6"/>
     <p:sldId id="274" r:id="rId7"/>
+    <p:sldId id="275" r:id="rId8"/>
   </p:sldIdLst>
   <p:sldSz cx="12192000" cy="6858000"/>
   <p:notesSz cx="6858000" cy="9144000"/>
@@ -109,6 +110,11 @@
       </a:defRPr>
     </a:lvl9pPr>
   </p:defaultTextStyle>
+  <p:extLst>
+    <p:ext uri="{EFAFB233-063F-42B5-8137-9DF3F51BA10A}">
+      <p15:sldGuideLst xmlns:p15="http://schemas.microsoft.com/office/powerpoint/2012/main"/>
+    </p:ext>
+  </p:extLst>
 </p:presentation>
 </file>
 
@@ -3761,8 +3767,8 @@
           <a:chExt cx="0" cy="0"/>
         </a:xfrm>
       </p:grpSpPr>
-      <mc:AlternateContent xmlns:mc="http://schemas.openxmlformats.org/markup-compatibility/2006">
-        <mc:Choice xmlns:a14="http://schemas.microsoft.com/office/drawing/2010/main" Requires="a14">
+      <mc:AlternateContent xmlns:mc="http://schemas.openxmlformats.org/markup-compatibility/2006" xmlns:a14="http://schemas.microsoft.com/office/drawing/2010/main">
+        <mc:Choice Requires="a14">
           <p:sp>
             <p:nvSpPr>
               <p:cNvPr id="4" name="TextBox 3">
@@ -3912,7 +3918,7 @@
             </p:txBody>
           </p:sp>
         </mc:Choice>
-        <mc:Fallback>
+        <mc:Fallback xmlns="">
           <p:sp>
             <p:nvSpPr>
               <p:cNvPr id="4" name="TextBox 3">
@@ -3957,8 +3963,8 @@
           </p:sp>
         </mc:Fallback>
       </mc:AlternateContent>
-      <mc:AlternateContent xmlns:mc="http://schemas.openxmlformats.org/markup-compatibility/2006">
-        <mc:Choice xmlns:a14="http://schemas.microsoft.com/office/drawing/2010/main" Requires="a14">
+      <mc:AlternateContent xmlns:mc="http://schemas.openxmlformats.org/markup-compatibility/2006" xmlns:a14="http://schemas.microsoft.com/office/drawing/2010/main">
+        <mc:Choice Requires="a14">
           <p:sp>
             <p:nvSpPr>
               <p:cNvPr id="2" name="TextBox 1">
@@ -3987,6 +3993,7 @@
               </a:bodyPr>
               <a:lstStyle/>
               <a:p>
+                <a:pPr/>
                 <a14:m>
                   <m:oMathPara xmlns:m="http://schemas.openxmlformats.org/officeDocument/2006/math">
                     <m:oMathParaPr>
@@ -4088,7 +4095,7 @@
             </p:txBody>
           </p:sp>
         </mc:Choice>
-        <mc:Fallback>
+        <mc:Fallback xmlns="">
           <p:sp>
             <p:nvSpPr>
               <p:cNvPr id="2" name="TextBox 1">
@@ -4213,8 +4220,8 @@
           </a:p>
         </p:txBody>
       </p:sp>
-      <mc:AlternateContent xmlns:mc="http://schemas.openxmlformats.org/markup-compatibility/2006">
-        <mc:Choice xmlns:a14="http://schemas.microsoft.com/office/drawing/2010/main" Requires="a14">
+      <mc:AlternateContent xmlns:mc="http://schemas.openxmlformats.org/markup-compatibility/2006" xmlns:a14="http://schemas.microsoft.com/office/drawing/2010/main">
+        <mc:Choice Requires="a14">
           <p:sp>
             <p:nvSpPr>
               <p:cNvPr id="6" name="TextBox 5">
@@ -4243,6 +4250,7 @@
               </a:bodyPr>
               <a:lstStyle/>
               <a:p>
+                <a:pPr/>
                 <a14:m>
                   <m:oMathPara xmlns:m="http://schemas.openxmlformats.org/officeDocument/2006/math">
                     <m:oMathParaPr>
@@ -4641,7 +4649,7 @@
             </p:txBody>
           </p:sp>
         </mc:Choice>
-        <mc:Fallback>
+        <mc:Fallback xmlns="">
           <p:sp>
             <p:nvSpPr>
               <p:cNvPr id="6" name="TextBox 5">
@@ -5095,6 +5103,963 @@
     <p:extLst>
       <p:ext uri="{BB962C8B-B14F-4D97-AF65-F5344CB8AC3E}">
         <p14:creationId xmlns:p14="http://schemas.microsoft.com/office/powerpoint/2010/main" val="1687273635"/>
+      </p:ext>
+    </p:extLst>
+  </p:cSld>
+  <p:clrMapOvr>
+    <a:masterClrMapping/>
+  </p:clrMapOvr>
+</p:sld>
+</file>
+
+<file path=ppt/slides/slide7.xml><?xml version="1.0" encoding="utf-8"?>
+<p:sld xmlns:a="http://schemas.openxmlformats.org/drawingml/2006/main" xmlns:r="http://schemas.openxmlformats.org/officeDocument/2006/relationships" xmlns:p="http://schemas.openxmlformats.org/presentationml/2006/main">
+  <p:cSld>
+    <p:spTree>
+      <p:nvGrpSpPr>
+        <p:cNvPr id="1" name=""/>
+        <p:cNvGrpSpPr/>
+        <p:nvPr/>
+      </p:nvGrpSpPr>
+      <p:grpSpPr>
+        <a:xfrm>
+          <a:off x="0" y="0"/>
+          <a:ext cx="0" cy="0"/>
+          <a:chOff x="0" y="0"/>
+          <a:chExt cx="0" cy="0"/>
+        </a:xfrm>
+      </p:grpSpPr>
+      <mc:AlternateContent xmlns:mc="http://schemas.openxmlformats.org/markup-compatibility/2006">
+        <mc:Choice xmlns:a14="http://schemas.microsoft.com/office/drawing/2010/main" Requires="a14">
+          <p:sp>
+            <p:nvSpPr>
+              <p:cNvPr id="4" name="TextBox 3">
+                <a:extLst>
+                  <a:ext uri="{FF2B5EF4-FFF2-40B4-BE49-F238E27FC236}">
+                    <a16:creationId xmlns:a16="http://schemas.microsoft.com/office/drawing/2014/main" id="{8B067930-2D62-F802-73B5-2E9BC3425C9D}"/>
+                  </a:ext>
+                </a:extLst>
+              </p:cNvPr>
+              <p:cNvSpPr txBox="1"/>
+              <p:nvPr/>
+            </p:nvSpPr>
+            <p:spPr>
+              <a:xfrm>
+                <a:off x="503853" y="531845"/>
+                <a:ext cx="10326072" cy="1446550"/>
+              </a:xfrm>
+              <a:prstGeom prst="rect">
+                <a:avLst/>
+              </a:prstGeom>
+              <a:noFill/>
+            </p:spPr>
+            <p:txBody>
+              <a:bodyPr wrap="square" rtlCol="0">
+                <a:spAutoFit/>
+              </a:bodyPr>
+              <a:lstStyle/>
+              <a:p>
+                <a:r>
+                  <a:rPr lang="en-GB" sz="2400" b="1" dirty="0"/>
+                  <a:t>ETS models (Error – Trend - Seasonality)</a:t>
+                </a:r>
+              </a:p>
+              <a:p>
+                <a:endParaRPr lang="en-GB" sz="2400" b="1" dirty="0"/>
+              </a:p>
+              <a:p>
+                <a:r>
+                  <a:rPr lang="en-GB" sz="2000" dirty="0"/>
+                  <a:t>The </a:t>
+                </a:r>
+                <a:r>
+                  <a:rPr lang="en-GB" sz="2000" dirty="0" err="1"/>
+                  <a:t>Hodrick-Presctott</a:t>
+                </a:r>
+                <a:r>
+                  <a:rPr lang="en-GB" sz="2000" dirty="0"/>
+                  <a:t> filter separates a time-series </a:t>
+                </a:r>
+                <a14:m>
+                  <m:oMath xmlns:m="http://schemas.openxmlformats.org/officeDocument/2006/math">
+                    <m:sSub>
+                      <m:sSubPr>
+                        <m:ctrlPr>
+                          <a:rPr lang="it-IT" sz="2000" b="0" i="1" smtClean="0">
+                            <a:latin typeface="Cambria Math" panose="02040503050406030204" pitchFamily="18" charset="0"/>
+                          </a:rPr>
+                        </m:ctrlPr>
+                      </m:sSubPr>
+                      <m:e>
+                        <m:r>
+                          <a:rPr lang="it-IT" sz="2000" b="0" i="1" smtClean="0">
+                            <a:latin typeface="Cambria Math" panose="02040503050406030204" pitchFamily="18" charset="0"/>
+                          </a:rPr>
+                          <m:t>𝑦</m:t>
+                        </m:r>
+                      </m:e>
+                      <m:sub>
+                        <m:r>
+                          <a:rPr lang="it-IT" sz="2000" b="0" i="1" smtClean="0">
+                            <a:latin typeface="Cambria Math" panose="02040503050406030204" pitchFamily="18" charset="0"/>
+                          </a:rPr>
+                          <m:t>𝑡</m:t>
+                        </m:r>
+                      </m:sub>
+                    </m:sSub>
+                  </m:oMath>
+                </a14:m>
+                <a:r>
+                  <a:rPr lang="en-GB" sz="2000" dirty="0"/>
+                  <a:t> into a trend component </a:t>
+                </a:r>
+                <a14:m>
+                  <m:oMath xmlns:m="http://schemas.openxmlformats.org/officeDocument/2006/math">
+                    <m:sSub>
+                      <m:sSubPr>
+                        <m:ctrlPr>
+                          <a:rPr lang="en-GB" sz="2000" i="1" smtClean="0">
+                            <a:latin typeface="Cambria Math" panose="02040503050406030204" pitchFamily="18" charset="0"/>
+                          </a:rPr>
+                        </m:ctrlPr>
+                      </m:sSubPr>
+                      <m:e>
+                        <m:r>
+                          <a:rPr lang="en-GB" sz="2000" i="1" smtClean="0">
+                            <a:latin typeface="Cambria Math" panose="02040503050406030204" pitchFamily="18" charset="0"/>
+                          </a:rPr>
+                          <m:t>𝜏</m:t>
+                        </m:r>
+                      </m:e>
+                      <m:sub>
+                        <m:r>
+                          <a:rPr lang="it-IT" sz="2000" b="0" i="1" smtClean="0">
+                            <a:latin typeface="Cambria Math" panose="02040503050406030204" pitchFamily="18" charset="0"/>
+                          </a:rPr>
+                          <m:t>𝑡</m:t>
+                        </m:r>
+                      </m:sub>
+                    </m:sSub>
+                  </m:oMath>
+                </a14:m>
+                <a:r>
+                  <a:rPr lang="en-GB" sz="2000" dirty="0"/>
+                  <a:t> and a cyclical component </a:t>
+                </a:r>
+                <a14:m>
+                  <m:oMath xmlns:m="http://schemas.openxmlformats.org/officeDocument/2006/math">
+                    <m:sSub>
+                      <m:sSubPr>
+                        <m:ctrlPr>
+                          <a:rPr lang="en-GB" sz="2000" i="1" smtClean="0">
+                            <a:latin typeface="Cambria Math" panose="02040503050406030204" pitchFamily="18" charset="0"/>
+                          </a:rPr>
+                        </m:ctrlPr>
+                      </m:sSubPr>
+                      <m:e>
+                        <m:r>
+                          <a:rPr lang="it-IT" sz="2000" b="0" i="1" smtClean="0">
+                            <a:latin typeface="Cambria Math" panose="02040503050406030204" pitchFamily="18" charset="0"/>
+                          </a:rPr>
+                          <m:t>𝑐</m:t>
+                        </m:r>
+                      </m:e>
+                      <m:sub>
+                        <m:r>
+                          <a:rPr lang="it-IT" sz="2000" b="0" i="1" smtClean="0">
+                            <a:latin typeface="Cambria Math" panose="02040503050406030204" pitchFamily="18" charset="0"/>
+                          </a:rPr>
+                          <m:t>𝑡</m:t>
+                        </m:r>
+                      </m:sub>
+                    </m:sSub>
+                  </m:oMath>
+                </a14:m>
+                <a:endParaRPr lang="en-GB" sz="2000" dirty="0"/>
+              </a:p>
+            </p:txBody>
+          </p:sp>
+        </mc:Choice>
+        <mc:Fallback>
+          <p:sp>
+            <p:nvSpPr>
+              <p:cNvPr id="4" name="TextBox 3">
+                <a:extLst>
+                  <a:ext uri="{FF2B5EF4-FFF2-40B4-BE49-F238E27FC236}">
+                    <a16:creationId xmlns:a16="http://schemas.microsoft.com/office/drawing/2014/main" id="{8B067930-2D62-F802-73B5-2E9BC3425C9D}"/>
+                  </a:ext>
+                </a:extLst>
+              </p:cNvPr>
+              <p:cNvSpPr txBox="1">
+                <a:spLocks noRot="1" noChangeAspect="1" noMove="1" noResize="1" noEditPoints="1" noAdjustHandles="1" noChangeArrowheads="1" noChangeShapeType="1" noTextEdit="1"/>
+              </p:cNvSpPr>
+              <p:nvPr/>
+            </p:nvSpPr>
+            <p:spPr>
+              <a:xfrm>
+                <a:off x="503853" y="531845"/>
+                <a:ext cx="10326072" cy="1446550"/>
+              </a:xfrm>
+              <a:prstGeom prst="rect">
+                <a:avLst/>
+              </a:prstGeom>
+              <a:blipFill>
+                <a:blip r:embed="rId2"/>
+                <a:stretch>
+                  <a:fillRect l="-945" t="-3361" b="-6303"/>
+                </a:stretch>
+              </a:blipFill>
+            </p:spPr>
+            <p:txBody>
+              <a:bodyPr/>
+              <a:lstStyle/>
+              <a:p>
+                <a:r>
+                  <a:rPr lang="en-GB">
+                    <a:noFill/>
+                  </a:rPr>
+                  <a:t> </a:t>
+                </a:r>
+              </a:p>
+            </p:txBody>
+          </p:sp>
+        </mc:Fallback>
+      </mc:AlternateContent>
+      <mc:AlternateContent xmlns:mc="http://schemas.openxmlformats.org/markup-compatibility/2006" xmlns:a14="http://schemas.microsoft.com/office/drawing/2010/main">
+        <mc:Choice Requires="a14">
+          <p:sp>
+            <p:nvSpPr>
+              <p:cNvPr id="2" name="TextBox 1">
+                <a:extLst>
+                  <a:ext uri="{FF2B5EF4-FFF2-40B4-BE49-F238E27FC236}">
+                    <a16:creationId xmlns:a16="http://schemas.microsoft.com/office/drawing/2014/main" id="{C8D32089-519D-62A3-0D3E-C653000BA809}"/>
+                  </a:ext>
+                </a:extLst>
+              </p:cNvPr>
+              <p:cNvSpPr txBox="1"/>
+              <p:nvPr/>
+            </p:nvSpPr>
+            <p:spPr>
+              <a:xfrm>
+                <a:off x="4387875" y="2218818"/>
+                <a:ext cx="2230640" cy="492443"/>
+              </a:xfrm>
+              <a:prstGeom prst="rect">
+                <a:avLst/>
+              </a:prstGeom>
+              <a:noFill/>
+            </p:spPr>
+            <p:txBody>
+              <a:bodyPr wrap="square" lIns="0" tIns="0" rIns="0" bIns="0" rtlCol="0">
+                <a:spAutoFit/>
+              </a:bodyPr>
+              <a:lstStyle/>
+              <a:p>
+                <a:pPr/>
+                <a14:m>
+                  <m:oMathPara xmlns:m="http://schemas.openxmlformats.org/officeDocument/2006/math">
+                    <m:oMathParaPr>
+                      <m:jc m:val="centerGroup"/>
+                    </m:oMathParaPr>
+                    <m:oMath xmlns:m="http://schemas.openxmlformats.org/officeDocument/2006/math">
+                      <m:sSub>
+                        <m:sSubPr>
+                          <m:ctrlPr>
+                            <a:rPr lang="it-IT" sz="3200" b="1" i="1" smtClean="0">
+                              <a:latin typeface="Cambria Math" panose="02040503050406030204" pitchFamily="18" charset="0"/>
+                            </a:rPr>
+                          </m:ctrlPr>
+                        </m:sSubPr>
+                        <m:e>
+                          <m:r>
+                            <a:rPr lang="it-IT" sz="3200" b="1" i="1" smtClean="0">
+                              <a:latin typeface="Cambria Math" panose="02040503050406030204" pitchFamily="18" charset="0"/>
+                            </a:rPr>
+                            <m:t>𝒚</m:t>
+                          </m:r>
+                        </m:e>
+                        <m:sub>
+                          <m:r>
+                            <a:rPr lang="it-IT" sz="3200" b="1" i="1" smtClean="0">
+                              <a:latin typeface="Cambria Math" panose="02040503050406030204" pitchFamily="18" charset="0"/>
+                            </a:rPr>
+                            <m:t>𝒕</m:t>
+                          </m:r>
+                        </m:sub>
+                      </m:sSub>
+                      <m:r>
+                        <a:rPr lang="en-GB" sz="3200" b="1" i="1" smtClean="0">
+                          <a:latin typeface="Cambria Math" panose="02040503050406030204" pitchFamily="18" charset="0"/>
+                        </a:rPr>
+                        <m:t>=</m:t>
+                      </m:r>
+                      <m:sSub>
+                        <m:sSubPr>
+                          <m:ctrlPr>
+                            <a:rPr lang="en-GB" sz="3200" b="1" i="1" smtClean="0">
+                              <a:latin typeface="Cambria Math" panose="02040503050406030204" pitchFamily="18" charset="0"/>
+                            </a:rPr>
+                          </m:ctrlPr>
+                        </m:sSubPr>
+                        <m:e>
+                          <m:r>
+                            <a:rPr lang="en-GB" sz="3200" b="1" i="1" smtClean="0">
+                              <a:latin typeface="Cambria Math" panose="02040503050406030204" pitchFamily="18" charset="0"/>
+                            </a:rPr>
+                            <m:t>𝝉</m:t>
+                          </m:r>
+                        </m:e>
+                        <m:sub>
+                          <m:r>
+                            <a:rPr lang="it-IT" sz="3200" b="1" i="1" smtClean="0">
+                              <a:latin typeface="Cambria Math" panose="02040503050406030204" pitchFamily="18" charset="0"/>
+                            </a:rPr>
+                            <m:t>𝒕</m:t>
+                          </m:r>
+                        </m:sub>
+                      </m:sSub>
+                      <m:r>
+                        <a:rPr lang="it-IT" sz="3200" b="1" i="1" smtClean="0">
+                          <a:latin typeface="Cambria Math" panose="02040503050406030204" pitchFamily="18" charset="0"/>
+                        </a:rPr>
+                        <m:t>+</m:t>
+                      </m:r>
+                      <m:sSub>
+                        <m:sSubPr>
+                          <m:ctrlPr>
+                            <a:rPr lang="en-GB" sz="3200" b="1" i="1" smtClean="0">
+                              <a:latin typeface="Cambria Math" panose="02040503050406030204" pitchFamily="18" charset="0"/>
+                            </a:rPr>
+                          </m:ctrlPr>
+                        </m:sSubPr>
+                        <m:e>
+                          <m:r>
+                            <a:rPr lang="it-IT" sz="3200" b="1" i="1" smtClean="0">
+                              <a:latin typeface="Cambria Math" panose="02040503050406030204" pitchFamily="18" charset="0"/>
+                            </a:rPr>
+                            <m:t>𝒄</m:t>
+                          </m:r>
+                        </m:e>
+                        <m:sub>
+                          <m:r>
+                            <a:rPr lang="it-IT" sz="3200" b="1" i="1" smtClean="0">
+                              <a:latin typeface="Cambria Math" panose="02040503050406030204" pitchFamily="18" charset="0"/>
+                            </a:rPr>
+                            <m:t>𝒕</m:t>
+                          </m:r>
+                        </m:sub>
+                      </m:sSub>
+                    </m:oMath>
+                  </m:oMathPara>
+                </a14:m>
+                <a:endParaRPr lang="en-GB" sz="3200" b="1" dirty="0"/>
+              </a:p>
+            </p:txBody>
+          </p:sp>
+        </mc:Choice>
+        <mc:Fallback xmlns="">
+          <p:sp>
+            <p:nvSpPr>
+              <p:cNvPr id="2" name="TextBox 1">
+                <a:extLst>
+                  <a:ext uri="{FF2B5EF4-FFF2-40B4-BE49-F238E27FC236}">
+                    <a16:creationId xmlns:a16="http://schemas.microsoft.com/office/drawing/2014/main" id="{C8D32089-519D-62A3-0D3E-C653000BA809}"/>
+                  </a:ext>
+                </a:extLst>
+              </p:cNvPr>
+              <p:cNvSpPr txBox="1">
+                <a:spLocks noRot="1" noChangeAspect="1" noMove="1" noResize="1" noEditPoints="1" noAdjustHandles="1" noChangeArrowheads="1" noChangeShapeType="1" noTextEdit="1"/>
+              </p:cNvSpPr>
+              <p:nvPr/>
+            </p:nvSpPr>
+            <p:spPr>
+              <a:xfrm>
+                <a:off x="4387875" y="2218818"/>
+                <a:ext cx="2230640" cy="492443"/>
+              </a:xfrm>
+              <a:prstGeom prst="rect">
+                <a:avLst/>
+              </a:prstGeom>
+              <a:blipFill>
+                <a:blip r:embed="rId3"/>
+                <a:stretch>
+                  <a:fillRect/>
+                </a:stretch>
+              </a:blipFill>
+            </p:spPr>
+            <p:txBody>
+              <a:bodyPr/>
+              <a:lstStyle/>
+              <a:p>
+                <a:r>
+                  <a:rPr lang="en-GB">
+                    <a:noFill/>
+                  </a:rPr>
+                  <a:t> </a:t>
+                </a:r>
+              </a:p>
+            </p:txBody>
+          </p:sp>
+        </mc:Fallback>
+      </mc:AlternateContent>
+      <p:sp>
+        <p:nvSpPr>
+          <p:cNvPr id="3" name="TextBox 2">
+            <a:extLst>
+              <a:ext uri="{FF2B5EF4-FFF2-40B4-BE49-F238E27FC236}">
+                <a16:creationId xmlns:a16="http://schemas.microsoft.com/office/drawing/2014/main" id="{89AB888A-DF12-E5D3-CA1B-7C4CD93EF0BA}"/>
+              </a:ext>
+            </a:extLst>
+          </p:cNvPr>
+          <p:cNvSpPr txBox="1"/>
+          <p:nvPr/>
+        </p:nvSpPr>
+        <p:spPr>
+          <a:xfrm>
+            <a:off x="503853" y="3059668"/>
+            <a:ext cx="7970836" cy="369332"/>
+          </a:xfrm>
+          <a:prstGeom prst="rect">
+            <a:avLst/>
+          </a:prstGeom>
+          <a:noFill/>
+        </p:spPr>
+        <p:txBody>
+          <a:bodyPr wrap="none" rtlCol="0">
+            <a:spAutoFit/>
+          </a:bodyPr>
+          <a:lstStyle/>
+          <a:p>
+            <a:r>
+              <a:rPr lang="it-IT" dirty="0"/>
+              <a:t>The </a:t>
+            </a:r>
+            <a:r>
+              <a:rPr lang="it-IT" dirty="0" err="1"/>
+              <a:t>componets</a:t>
+            </a:r>
+            <a:r>
+              <a:rPr lang="it-IT" dirty="0"/>
+              <a:t> are </a:t>
+            </a:r>
+            <a:r>
+              <a:rPr lang="it-IT" dirty="0" err="1"/>
+              <a:t>determined</a:t>
+            </a:r>
+            <a:r>
+              <a:rPr lang="it-IT" dirty="0"/>
+              <a:t> by </a:t>
+            </a:r>
+            <a:r>
+              <a:rPr lang="it-IT" dirty="0" err="1"/>
+              <a:t>minimizing</a:t>
+            </a:r>
+            <a:r>
+              <a:rPr lang="it-IT" dirty="0"/>
+              <a:t> the following </a:t>
+            </a:r>
+            <a:r>
+              <a:rPr lang="it-IT" dirty="0" err="1"/>
+              <a:t>quadratic</a:t>
+            </a:r>
+            <a:r>
+              <a:rPr lang="it-IT" dirty="0"/>
+              <a:t> </a:t>
+            </a:r>
+            <a:r>
+              <a:rPr lang="it-IT" dirty="0" err="1"/>
+              <a:t>loss</a:t>
+            </a:r>
+            <a:r>
+              <a:rPr lang="it-IT" dirty="0"/>
+              <a:t> </a:t>
+            </a:r>
+            <a:r>
+              <a:rPr lang="it-IT" dirty="0" err="1"/>
+              <a:t>function</a:t>
+            </a:r>
+            <a:endParaRPr lang="en-GB" dirty="0"/>
+          </a:p>
+        </p:txBody>
+      </p:sp>
+      <mc:AlternateContent xmlns:mc="http://schemas.openxmlformats.org/markup-compatibility/2006" xmlns:a14="http://schemas.microsoft.com/office/drawing/2010/main">
+        <mc:Choice Requires="a14">
+          <p:sp>
+            <p:nvSpPr>
+              <p:cNvPr id="6" name="TextBox 5">
+                <a:extLst>
+                  <a:ext uri="{FF2B5EF4-FFF2-40B4-BE49-F238E27FC236}">
+                    <a16:creationId xmlns:a16="http://schemas.microsoft.com/office/drawing/2014/main" id="{381DAF6E-74C4-103A-7FE3-99C3EF3D4053}"/>
+                  </a:ext>
+                </a:extLst>
+              </p:cNvPr>
+              <p:cNvSpPr txBox="1"/>
+              <p:nvPr/>
+            </p:nvSpPr>
+            <p:spPr>
+              <a:xfrm>
+                <a:off x="621107" y="3747179"/>
+                <a:ext cx="10091563" cy="763094"/>
+              </a:xfrm>
+              <a:prstGeom prst="rect">
+                <a:avLst/>
+              </a:prstGeom>
+              <a:noFill/>
+            </p:spPr>
+            <p:txBody>
+              <a:bodyPr wrap="square" lIns="0" tIns="0" rIns="0" bIns="0" rtlCol="0">
+                <a:spAutoFit/>
+              </a:bodyPr>
+              <a:lstStyle/>
+              <a:p>
+                <a:pPr/>
+                <a14:m>
+                  <m:oMathPara xmlns:m="http://schemas.openxmlformats.org/officeDocument/2006/math">
+                    <m:oMathParaPr>
+                      <m:jc m:val="centerGroup"/>
+                    </m:oMathParaPr>
+                    <m:oMath xmlns:m="http://schemas.openxmlformats.org/officeDocument/2006/math">
+                      <m:sSub>
+                        <m:sSubPr>
+                          <m:ctrlPr>
+                            <a:rPr lang="it-IT" sz="2400" b="1" i="1" smtClean="0">
+                              <a:latin typeface="Cambria Math" panose="02040503050406030204" pitchFamily="18" charset="0"/>
+                            </a:rPr>
+                          </m:ctrlPr>
+                        </m:sSubPr>
+                        <m:e>
+                          <m:r>
+                            <a:rPr lang="it-IT" sz="2400" b="1" i="1" smtClean="0">
+                              <a:latin typeface="Cambria Math" panose="02040503050406030204" pitchFamily="18" charset="0"/>
+                            </a:rPr>
+                            <m:t>𝒎𝒊𝒏</m:t>
+                          </m:r>
+                        </m:e>
+                        <m:sub>
+                          <m:sSub>
+                            <m:sSubPr>
+                              <m:ctrlPr>
+                                <a:rPr lang="en-GB" sz="2400" b="1" i="1" smtClean="0">
+                                  <a:latin typeface="Cambria Math" panose="02040503050406030204" pitchFamily="18" charset="0"/>
+                                </a:rPr>
+                              </m:ctrlPr>
+                            </m:sSubPr>
+                            <m:e>
+                              <m:r>
+                                <a:rPr lang="en-GB" sz="2400" b="1" i="1" smtClean="0">
+                                  <a:latin typeface="Cambria Math" panose="02040503050406030204" pitchFamily="18" charset="0"/>
+                                </a:rPr>
+                                <m:t>𝝉</m:t>
+                              </m:r>
+                            </m:e>
+                            <m:sub>
+                              <m:r>
+                                <a:rPr lang="it-IT" sz="2400" b="1" i="1" smtClean="0">
+                                  <a:latin typeface="Cambria Math" panose="02040503050406030204" pitchFamily="18" charset="0"/>
+                                </a:rPr>
+                                <m:t>𝒕</m:t>
+                              </m:r>
+                            </m:sub>
+                          </m:sSub>
+                        </m:sub>
+                      </m:sSub>
+                      <m:nary>
+                        <m:naryPr>
+                          <m:chr m:val="∑"/>
+                          <m:limLoc m:val="subSup"/>
+                          <m:ctrlPr>
+                            <a:rPr lang="it-IT" sz="2400" b="1" i="1" smtClean="0">
+                              <a:latin typeface="Cambria Math" panose="02040503050406030204" pitchFamily="18" charset="0"/>
+                            </a:rPr>
+                          </m:ctrlPr>
+                        </m:naryPr>
+                        <m:sub>
+                          <m:r>
+                            <m:rPr>
+                              <m:brk m:alnAt="25"/>
+                            </m:rPr>
+                            <a:rPr lang="it-IT" sz="2400" b="1" i="1" smtClean="0">
+                              <a:latin typeface="Cambria Math" panose="02040503050406030204" pitchFamily="18" charset="0"/>
+                            </a:rPr>
+                            <m:t>𝒕</m:t>
+                          </m:r>
+                          <m:r>
+                            <a:rPr lang="it-IT" sz="2400" b="1" i="1" smtClean="0">
+                              <a:latin typeface="Cambria Math" panose="02040503050406030204" pitchFamily="18" charset="0"/>
+                            </a:rPr>
+                            <m:t>=</m:t>
+                          </m:r>
+                          <m:r>
+                            <a:rPr lang="it-IT" sz="2400" b="1" i="1" smtClean="0">
+                              <a:latin typeface="Cambria Math" panose="02040503050406030204" pitchFamily="18" charset="0"/>
+                            </a:rPr>
+                            <m:t>𝟏</m:t>
+                          </m:r>
+                        </m:sub>
+                        <m:sup>
+                          <m:r>
+                            <a:rPr lang="it-IT" sz="2400" b="1" i="1" smtClean="0">
+                              <a:latin typeface="Cambria Math" panose="02040503050406030204" pitchFamily="18" charset="0"/>
+                            </a:rPr>
+                            <m:t>𝑻</m:t>
+                          </m:r>
+                        </m:sup>
+                        <m:e>
+                          <m:sSup>
+                            <m:sSupPr>
+                              <m:ctrlPr>
+                                <a:rPr lang="it-IT" sz="2400" b="1" i="1" smtClean="0">
+                                  <a:latin typeface="Cambria Math" panose="02040503050406030204" pitchFamily="18" charset="0"/>
+                                </a:rPr>
+                              </m:ctrlPr>
+                            </m:sSupPr>
+                            <m:e>
+                              <m:sSub>
+                                <m:sSubPr>
+                                  <m:ctrlPr>
+                                    <a:rPr lang="en-GB" sz="2400" b="1" i="1" smtClean="0">
+                                      <a:latin typeface="Cambria Math" panose="02040503050406030204" pitchFamily="18" charset="0"/>
+                                    </a:rPr>
+                                  </m:ctrlPr>
+                                </m:sSubPr>
+                                <m:e>
+                                  <m:r>
+                                    <a:rPr lang="it-IT" sz="2400" b="1" i="1" smtClean="0">
+                                      <a:latin typeface="Cambria Math" panose="02040503050406030204" pitchFamily="18" charset="0"/>
+                                    </a:rPr>
+                                    <m:t>𝒄</m:t>
+                                  </m:r>
+                                </m:e>
+                                <m:sub>
+                                  <m:r>
+                                    <a:rPr lang="it-IT" sz="2400" b="1" i="1" smtClean="0">
+                                      <a:latin typeface="Cambria Math" panose="02040503050406030204" pitchFamily="18" charset="0"/>
+                                    </a:rPr>
+                                    <m:t>𝒕</m:t>
+                                  </m:r>
+                                </m:sub>
+                              </m:sSub>
+                            </m:e>
+                            <m:sup>
+                              <m:r>
+                                <a:rPr lang="it-IT" sz="2400" b="1" i="1" smtClean="0">
+                                  <a:latin typeface="Cambria Math" panose="02040503050406030204" pitchFamily="18" charset="0"/>
+                                </a:rPr>
+                                <m:t>𝟐</m:t>
+                              </m:r>
+                            </m:sup>
+                          </m:sSup>
+                        </m:e>
+                      </m:nary>
+                      <m:r>
+                        <a:rPr lang="it-IT" sz="2400" b="1" i="1" smtClean="0">
+                          <a:latin typeface="Cambria Math" panose="02040503050406030204" pitchFamily="18" charset="0"/>
+                        </a:rPr>
+                        <m:t>+</m:t>
+                      </m:r>
+                      <m:r>
+                        <a:rPr lang="it-IT" sz="2400" b="1" i="1" smtClean="0">
+                          <a:latin typeface="Cambria Math" panose="02040503050406030204" pitchFamily="18" charset="0"/>
+                        </a:rPr>
+                        <m:t>𝜆</m:t>
+                      </m:r>
+                      <m:nary>
+                        <m:naryPr>
+                          <m:chr m:val="∑"/>
+                          <m:limLoc m:val="subSup"/>
+                          <m:ctrlPr>
+                            <a:rPr lang="it-IT" sz="2400" b="1" i="1" smtClean="0">
+                              <a:latin typeface="Cambria Math" panose="02040503050406030204" pitchFamily="18" charset="0"/>
+                            </a:rPr>
+                          </m:ctrlPr>
+                        </m:naryPr>
+                        <m:sub>
+                          <m:r>
+                            <m:rPr>
+                              <m:brk m:alnAt="25"/>
+                            </m:rPr>
+                            <a:rPr lang="it-IT" sz="2400" b="1" i="1" smtClean="0">
+                              <a:latin typeface="Cambria Math" panose="02040503050406030204" pitchFamily="18" charset="0"/>
+                            </a:rPr>
+                            <m:t>𝒕</m:t>
+                          </m:r>
+                          <m:r>
+                            <a:rPr lang="it-IT" sz="2400" b="1" i="1" smtClean="0">
+                              <a:latin typeface="Cambria Math" panose="02040503050406030204" pitchFamily="18" charset="0"/>
+                            </a:rPr>
+                            <m:t>=</m:t>
+                          </m:r>
+                          <m:r>
+                            <a:rPr lang="it-IT" sz="2400" b="1" i="1" smtClean="0">
+                              <a:latin typeface="Cambria Math" panose="02040503050406030204" pitchFamily="18" charset="0"/>
+                            </a:rPr>
+                            <m:t>𝟏</m:t>
+                          </m:r>
+                        </m:sub>
+                        <m:sup>
+                          <m:r>
+                            <a:rPr lang="it-IT" sz="2400" b="1" i="1" smtClean="0">
+                              <a:latin typeface="Cambria Math" panose="02040503050406030204" pitchFamily="18" charset="0"/>
+                            </a:rPr>
+                            <m:t>𝑻</m:t>
+                          </m:r>
+                        </m:sup>
+                        <m:e>
+                          <m:sSup>
+                            <m:sSupPr>
+                              <m:ctrlPr>
+                                <a:rPr lang="it-IT" sz="2400" b="1" i="1" smtClean="0">
+                                  <a:latin typeface="Cambria Math" panose="02040503050406030204" pitchFamily="18" charset="0"/>
+                                </a:rPr>
+                              </m:ctrlPr>
+                            </m:sSupPr>
+                            <m:e>
+                              <m:r>
+                                <a:rPr lang="it-IT" sz="2400" b="1" i="1" smtClean="0">
+                                  <a:latin typeface="Cambria Math" panose="02040503050406030204" pitchFamily="18" charset="0"/>
+                                </a:rPr>
+                                <m:t>[</m:t>
+                              </m:r>
+                              <m:d>
+                                <m:dPr>
+                                  <m:ctrlPr>
+                                    <a:rPr lang="it-IT" sz="2400" b="1" i="1" smtClean="0">
+                                      <a:latin typeface="Cambria Math" panose="02040503050406030204" pitchFamily="18" charset="0"/>
+                                    </a:rPr>
+                                  </m:ctrlPr>
+                                </m:dPr>
+                                <m:e>
+                                  <m:sSub>
+                                    <m:sSubPr>
+                                      <m:ctrlPr>
+                                        <a:rPr lang="en-GB" sz="2400" b="1" i="1" smtClean="0">
+                                          <a:latin typeface="Cambria Math" panose="02040503050406030204" pitchFamily="18" charset="0"/>
+                                        </a:rPr>
+                                      </m:ctrlPr>
+                                    </m:sSubPr>
+                                    <m:e>
+                                      <m:r>
+                                        <a:rPr lang="en-GB" sz="2400" b="1" i="1" smtClean="0">
+                                          <a:latin typeface="Cambria Math" panose="02040503050406030204" pitchFamily="18" charset="0"/>
+                                        </a:rPr>
+                                        <m:t>𝝉</m:t>
+                                      </m:r>
+                                    </m:e>
+                                    <m:sub>
+                                      <m:r>
+                                        <a:rPr lang="it-IT" sz="2400" b="1" i="1" smtClean="0">
+                                          <a:latin typeface="Cambria Math" panose="02040503050406030204" pitchFamily="18" charset="0"/>
+                                        </a:rPr>
+                                        <m:t>𝒕</m:t>
+                                      </m:r>
+                                    </m:sub>
+                                  </m:sSub>
+                                  <m:r>
+                                    <a:rPr lang="it-IT" sz="2400" b="1" i="1" smtClean="0">
+                                      <a:latin typeface="Cambria Math" panose="02040503050406030204" pitchFamily="18" charset="0"/>
+                                    </a:rPr>
+                                    <m:t>−</m:t>
+                                  </m:r>
+                                  <m:sSub>
+                                    <m:sSubPr>
+                                      <m:ctrlPr>
+                                        <a:rPr lang="en-GB" sz="2400" b="1" i="1" smtClean="0">
+                                          <a:latin typeface="Cambria Math" panose="02040503050406030204" pitchFamily="18" charset="0"/>
+                                        </a:rPr>
+                                      </m:ctrlPr>
+                                    </m:sSubPr>
+                                    <m:e>
+                                      <m:r>
+                                        <a:rPr lang="en-GB" sz="2400" b="1" i="1" smtClean="0">
+                                          <a:latin typeface="Cambria Math" panose="02040503050406030204" pitchFamily="18" charset="0"/>
+                                        </a:rPr>
+                                        <m:t>𝝉</m:t>
+                                      </m:r>
+                                    </m:e>
+                                    <m:sub>
+                                      <m:r>
+                                        <a:rPr lang="it-IT" sz="2400" b="1" i="1" smtClean="0">
+                                          <a:latin typeface="Cambria Math" panose="02040503050406030204" pitchFamily="18" charset="0"/>
+                                        </a:rPr>
+                                        <m:t>𝒕</m:t>
+                                      </m:r>
+                                      <m:r>
+                                        <a:rPr lang="it-IT" sz="2400" b="1" i="1" smtClean="0">
+                                          <a:latin typeface="Cambria Math" panose="02040503050406030204" pitchFamily="18" charset="0"/>
+                                        </a:rPr>
+                                        <m:t>−</m:t>
+                                      </m:r>
+                                      <m:r>
+                                        <a:rPr lang="it-IT" sz="2400" b="1" i="1" smtClean="0">
+                                          <a:latin typeface="Cambria Math" panose="02040503050406030204" pitchFamily="18" charset="0"/>
+                                        </a:rPr>
+                                        <m:t>𝟏</m:t>
+                                      </m:r>
+                                    </m:sub>
+                                  </m:sSub>
+                                </m:e>
+                              </m:d>
+                              <m:r>
+                                <a:rPr lang="it-IT" sz="2400" b="1" i="1" smtClean="0">
+                                  <a:latin typeface="Cambria Math" panose="02040503050406030204" pitchFamily="18" charset="0"/>
+                                </a:rPr>
+                                <m:t>−(</m:t>
+                              </m:r>
+                              <m:sSub>
+                                <m:sSubPr>
+                                  <m:ctrlPr>
+                                    <a:rPr lang="en-GB" sz="2400" b="1" i="1" smtClean="0">
+                                      <a:latin typeface="Cambria Math" panose="02040503050406030204" pitchFamily="18" charset="0"/>
+                                    </a:rPr>
+                                  </m:ctrlPr>
+                                </m:sSubPr>
+                                <m:e>
+                                  <m:r>
+                                    <a:rPr lang="en-GB" sz="2400" b="1" i="1" smtClean="0">
+                                      <a:latin typeface="Cambria Math" panose="02040503050406030204" pitchFamily="18" charset="0"/>
+                                    </a:rPr>
+                                    <m:t>𝝉</m:t>
+                                  </m:r>
+                                </m:e>
+                                <m:sub>
+                                  <m:r>
+                                    <a:rPr lang="it-IT" sz="2400" b="1" i="1" smtClean="0">
+                                      <a:latin typeface="Cambria Math" panose="02040503050406030204" pitchFamily="18" charset="0"/>
+                                    </a:rPr>
+                                    <m:t>𝒕</m:t>
+                                  </m:r>
+                                  <m:r>
+                                    <a:rPr lang="it-IT" sz="2400" b="1" i="1" smtClean="0">
+                                      <a:latin typeface="Cambria Math" panose="02040503050406030204" pitchFamily="18" charset="0"/>
+                                    </a:rPr>
+                                    <m:t>−</m:t>
+                                  </m:r>
+                                  <m:r>
+                                    <a:rPr lang="it-IT" sz="2400" b="1" i="1" smtClean="0">
+                                      <a:latin typeface="Cambria Math" panose="02040503050406030204" pitchFamily="18" charset="0"/>
+                                    </a:rPr>
+                                    <m:t>𝟏</m:t>
+                                  </m:r>
+                                </m:sub>
+                              </m:sSub>
+                              <m:r>
+                                <a:rPr lang="it-IT" sz="2400" b="1" i="1" smtClean="0">
+                                  <a:latin typeface="Cambria Math" panose="02040503050406030204" pitchFamily="18" charset="0"/>
+                                </a:rPr>
+                                <m:t>−</m:t>
+                              </m:r>
+                              <m:sSub>
+                                <m:sSubPr>
+                                  <m:ctrlPr>
+                                    <a:rPr lang="en-GB" sz="2400" b="1" i="1" smtClean="0">
+                                      <a:latin typeface="Cambria Math" panose="02040503050406030204" pitchFamily="18" charset="0"/>
+                                    </a:rPr>
+                                  </m:ctrlPr>
+                                </m:sSubPr>
+                                <m:e>
+                                  <m:r>
+                                    <a:rPr lang="en-GB" sz="2400" b="1" i="1" smtClean="0">
+                                      <a:latin typeface="Cambria Math" panose="02040503050406030204" pitchFamily="18" charset="0"/>
+                                    </a:rPr>
+                                    <m:t>𝝉</m:t>
+                                  </m:r>
+                                </m:e>
+                                <m:sub>
+                                  <m:r>
+                                    <a:rPr lang="it-IT" sz="2400" b="1" i="1" smtClean="0">
+                                      <a:latin typeface="Cambria Math" panose="02040503050406030204" pitchFamily="18" charset="0"/>
+                                    </a:rPr>
+                                    <m:t>𝒕</m:t>
+                                  </m:r>
+                                  <m:r>
+                                    <a:rPr lang="it-IT" sz="2400" b="1" i="1" smtClean="0">
+                                      <a:latin typeface="Cambria Math" panose="02040503050406030204" pitchFamily="18" charset="0"/>
+                                    </a:rPr>
+                                    <m:t>−</m:t>
+                                  </m:r>
+                                  <m:r>
+                                    <a:rPr lang="it-IT" sz="2400" b="1" i="1" smtClean="0">
+                                      <a:latin typeface="Cambria Math" panose="02040503050406030204" pitchFamily="18" charset="0"/>
+                                    </a:rPr>
+                                    <m:t>𝟐</m:t>
+                                  </m:r>
+                                </m:sub>
+                              </m:sSub>
+                              <m:r>
+                                <a:rPr lang="it-IT" sz="2400" b="1" i="1" smtClean="0">
+                                  <a:latin typeface="Cambria Math" panose="02040503050406030204" pitchFamily="18" charset="0"/>
+                                </a:rPr>
+                                <m:t>)]</m:t>
+                              </m:r>
+                            </m:e>
+                            <m:sup>
+                              <m:r>
+                                <a:rPr lang="it-IT" sz="2400" b="1" i="1" smtClean="0">
+                                  <a:latin typeface="Cambria Math" panose="02040503050406030204" pitchFamily="18" charset="0"/>
+                                </a:rPr>
+                                <m:t>𝟐</m:t>
+                              </m:r>
+                            </m:sup>
+                          </m:sSup>
+                        </m:e>
+                      </m:nary>
+                    </m:oMath>
+                  </m:oMathPara>
+                </a14:m>
+                <a:endParaRPr lang="en-GB" sz="2400" b="1" dirty="0"/>
+              </a:p>
+            </p:txBody>
+          </p:sp>
+        </mc:Choice>
+        <mc:Fallback xmlns="">
+          <p:sp>
+            <p:nvSpPr>
+              <p:cNvPr id="6" name="TextBox 5">
+                <a:extLst>
+                  <a:ext uri="{FF2B5EF4-FFF2-40B4-BE49-F238E27FC236}">
+                    <a16:creationId xmlns:a16="http://schemas.microsoft.com/office/drawing/2014/main" id="{381DAF6E-74C4-103A-7FE3-99C3EF3D4053}"/>
+                  </a:ext>
+                </a:extLst>
+              </p:cNvPr>
+              <p:cNvSpPr txBox="1">
+                <a:spLocks noRot="1" noChangeAspect="1" noMove="1" noResize="1" noEditPoints="1" noAdjustHandles="1" noChangeArrowheads="1" noChangeShapeType="1" noTextEdit="1"/>
+              </p:cNvSpPr>
+              <p:nvPr/>
+            </p:nvSpPr>
+            <p:spPr>
+              <a:xfrm>
+                <a:off x="621107" y="3747179"/>
+                <a:ext cx="10091563" cy="763094"/>
+              </a:xfrm>
+              <a:prstGeom prst="rect">
+                <a:avLst/>
+              </a:prstGeom>
+              <a:blipFill>
+                <a:blip r:embed="rId4"/>
+                <a:stretch>
+                  <a:fillRect/>
+                </a:stretch>
+              </a:blipFill>
+            </p:spPr>
+            <p:txBody>
+              <a:bodyPr/>
+              <a:lstStyle/>
+              <a:p>
+                <a:r>
+                  <a:rPr lang="en-GB">
+                    <a:noFill/>
+                  </a:rPr>
+                  <a:t> </a:t>
+                </a:r>
+              </a:p>
+            </p:txBody>
+          </p:sp>
+        </mc:Fallback>
+      </mc:AlternateContent>
+    </p:spTree>
+    <p:extLst>
+      <p:ext uri="{BB962C8B-B14F-4D97-AF65-F5344CB8AC3E}">
+        <p14:creationId xmlns:p14="http://schemas.microsoft.com/office/powerpoint/2010/main" val="136152822"/>
       </p:ext>
     </p:extLst>
   </p:cSld>
